--- a/軟工期中v3.pptx
+++ b/軟工期中v3.pptx
@@ -14,8 +14,9 @@
     <p:sldId id="268" r:id="rId8"/>
     <p:sldId id="258" r:id="rId9"/>
     <p:sldId id="257" r:id="rId10"/>
-    <p:sldId id="260" r:id="rId11"/>
-    <p:sldId id="262" r:id="rId12"/>
+    <p:sldId id="269" r:id="rId11"/>
+    <p:sldId id="260" r:id="rId12"/>
+    <p:sldId id="262" r:id="rId13"/>
   </p:sldIdLst>
   <p:sldSz cx="12192000" cy="6858000"/>
   <p:notesSz cx="6858000" cy="9144000"/>
@@ -6096,6 +6097,198 @@
           <p:cNvPr id="2" name="標題 1">
             <a:extLst>
               <a:ext uri="{FF2B5EF4-FFF2-40B4-BE49-F238E27FC236}">
+                <a16:creationId xmlns:a16="http://schemas.microsoft.com/office/drawing/2014/main" id="{3622BC05-5AE7-428E-8B77-24C6CFC37E18}"/>
+              </a:ext>
+            </a:extLst>
+          </p:cNvPr>
+          <p:cNvSpPr>
+            <a:spLocks noGrp="1"/>
+          </p:cNvSpPr>
+          <p:nvPr>
+            <p:ph type="title"/>
+          </p:nvPr>
+        </p:nvSpPr>
+        <p:spPr/>
+        <p:txBody>
+          <a:bodyPr/>
+          <a:lstStyle/>
+          <a:p>
+            <a:r>
+              <a:rPr lang="zh-TW" altLang="en-US" dirty="0"/>
+              <a:t>系統架構</a:t>
+            </a:r>
+          </a:p>
+        </p:txBody>
+      </p:sp>
+      <p:pic>
+        <p:nvPicPr>
+          <p:cNvPr id="5" name="內容版面配置區 4">
+            <a:extLst>
+              <a:ext uri="{FF2B5EF4-FFF2-40B4-BE49-F238E27FC236}">
+                <a16:creationId xmlns:a16="http://schemas.microsoft.com/office/drawing/2014/main" id="{D66A7489-7869-432D-837F-B562D9289063}"/>
+              </a:ext>
+            </a:extLst>
+          </p:cNvPr>
+          <p:cNvPicPr>
+            <a:picLocks noGrp="1" noChangeAspect="1"/>
+          </p:cNvPicPr>
+          <p:nvPr>
+            <p:ph idx="1"/>
+          </p:nvPr>
+        </p:nvPicPr>
+        <p:blipFill>
+          <a:blip r:embed="rId2"/>
+          <a:stretch>
+            <a:fillRect/>
+          </a:stretch>
+        </p:blipFill>
+        <p:spPr>
+          <a:xfrm>
+            <a:off x="518308" y="1393970"/>
+            <a:ext cx="6916162" cy="4759880"/>
+          </a:xfrm>
+        </p:spPr>
+      </p:pic>
+      <p:pic>
+        <p:nvPicPr>
+          <p:cNvPr id="7" name="圖片 6" descr="一張含有 螢幕擷取畫面 的圖片&#10;&#10;自動產生的描述">
+            <a:extLst>
+              <a:ext uri="{FF2B5EF4-FFF2-40B4-BE49-F238E27FC236}">
+                <a16:creationId xmlns:a16="http://schemas.microsoft.com/office/drawing/2014/main" id="{B2ADAEDC-E903-40EF-8350-DBA69780D9FB}"/>
+              </a:ext>
+            </a:extLst>
+          </p:cNvPr>
+          <p:cNvPicPr>
+            <a:picLocks noChangeAspect="1"/>
+          </p:cNvPicPr>
+          <p:nvPr/>
+        </p:nvPicPr>
+        <p:blipFill>
+          <a:blip r:embed="rId3"/>
+          <a:stretch>
+            <a:fillRect/>
+          </a:stretch>
+        </p:blipFill>
+        <p:spPr>
+          <a:xfrm>
+            <a:off x="5773971" y="704150"/>
+            <a:ext cx="5740695" cy="5727994"/>
+          </a:xfrm>
+          <a:prstGeom prst="rect">
+            <a:avLst/>
+          </a:prstGeom>
+        </p:spPr>
+      </p:pic>
+    </p:spTree>
+    <p:extLst>
+      <p:ext uri="{BB962C8B-B14F-4D97-AF65-F5344CB8AC3E}">
+        <p14:creationId xmlns:p14="http://schemas.microsoft.com/office/powerpoint/2010/main" val="1507134466"/>
+      </p:ext>
+    </p:extLst>
+  </p:cSld>
+  <p:clrMapOvr>
+    <a:masterClrMapping/>
+  </p:clrMapOvr>
+  <p:timing>
+    <p:tnLst>
+      <p:par>
+        <p:cTn id="1" dur="indefinite" restart="never" nodeType="tmRoot">
+          <p:childTnLst>
+            <p:seq concurrent="1" nextAc="seek">
+              <p:cTn id="2" dur="indefinite" nodeType="mainSeq">
+                <p:childTnLst>
+                  <p:par>
+                    <p:cTn id="3" fill="hold">
+                      <p:stCondLst>
+                        <p:cond delay="indefinite"/>
+                      </p:stCondLst>
+                      <p:childTnLst>
+                        <p:par>
+                          <p:cTn id="4" fill="hold">
+                            <p:stCondLst>
+                              <p:cond delay="0"/>
+                            </p:stCondLst>
+                            <p:childTnLst>
+                              <p:par>
+                                <p:cTn id="5" presetID="1" presetClass="entr" presetSubtype="0" fill="hold" nodeType="clickEffect">
+                                  <p:stCondLst>
+                                    <p:cond delay="0"/>
+                                  </p:stCondLst>
+                                  <p:childTnLst>
+                                    <p:set>
+                                      <p:cBhvr>
+                                        <p:cTn id="6" dur="1" fill="hold">
+                                          <p:stCondLst>
+                                            <p:cond delay="0"/>
+                                          </p:stCondLst>
+                                        </p:cTn>
+                                        <p:tgtEl>
+                                          <p:spTgt spid="7"/>
+                                        </p:tgtEl>
+                                        <p:attrNameLst>
+                                          <p:attrName>style.visibility</p:attrName>
+                                        </p:attrNameLst>
+                                      </p:cBhvr>
+                                      <p:to>
+                                        <p:strVal val="visible"/>
+                                      </p:to>
+                                    </p:set>
+                                  </p:childTnLst>
+                                </p:cTn>
+                              </p:par>
+                            </p:childTnLst>
+                          </p:cTn>
+                        </p:par>
+                      </p:childTnLst>
+                    </p:cTn>
+                  </p:par>
+                </p:childTnLst>
+              </p:cTn>
+              <p:prevCondLst>
+                <p:cond evt="onPrev" delay="0">
+                  <p:tgtEl>
+                    <p:sldTgt/>
+                  </p:tgtEl>
+                </p:cond>
+              </p:prevCondLst>
+              <p:nextCondLst>
+                <p:cond evt="onNext" delay="0">
+                  <p:tgtEl>
+                    <p:sldTgt/>
+                  </p:tgtEl>
+                </p:cond>
+              </p:nextCondLst>
+            </p:seq>
+          </p:childTnLst>
+        </p:cTn>
+      </p:par>
+    </p:tnLst>
+  </p:timing>
+</p:sld>
+</file>
+
+<file path=ppt/slides/slide11.xml><?xml version="1.0" encoding="utf-8"?>
+<p:sld xmlns:a="http://schemas.openxmlformats.org/drawingml/2006/main" xmlns:r="http://schemas.openxmlformats.org/officeDocument/2006/relationships" xmlns:p="http://schemas.openxmlformats.org/presentationml/2006/main">
+  <p:cSld>
+    <p:spTree>
+      <p:nvGrpSpPr>
+        <p:cNvPr id="1" name=""/>
+        <p:cNvGrpSpPr/>
+        <p:nvPr/>
+      </p:nvGrpSpPr>
+      <p:grpSpPr>
+        <a:xfrm>
+          <a:off x="0" y="0"/>
+          <a:ext cx="0" cy="0"/>
+          <a:chOff x="0" y="0"/>
+          <a:chExt cx="0" cy="0"/>
+        </a:xfrm>
+      </p:grpSpPr>
+      <p:sp>
+        <p:nvSpPr>
+          <p:cNvPr id="2" name="標題 1">
+            <a:extLst>
+              <a:ext uri="{FF2B5EF4-FFF2-40B4-BE49-F238E27FC236}">
                 <a16:creationId xmlns:a16="http://schemas.microsoft.com/office/drawing/2014/main" id="{96EBC39E-A159-4CA2-AC66-28424709B672}"/>
               </a:ext>
             </a:extLst>
@@ -6148,7 +6341,7 @@
         </p:spPr>
         <p:txBody>
           <a:bodyPr>
-            <a:normAutofit/>
+            <a:normAutofit fontScale="92500" lnSpcReduction="20000"/>
           </a:bodyPr>
           <a:lstStyle/>
           <a:p>
@@ -6342,6 +6535,48 @@
               <a:rPr lang="zh-TW" altLang="en-US" sz="2600" b="1" dirty="0">
                 <a:latin typeface="+mj-ea"/>
               </a:rPr>
+              <a:t>邱湘婷</a:t>
+            </a:r>
+            <a:endParaRPr lang="en-US" altLang="zh-TW" sz="2600" b="1" dirty="0">
+              <a:latin typeface="+mj-ea"/>
+            </a:endParaRPr>
+          </a:p>
+          <a:p>
+            <a:pPr marL="400050" lvl="1" indent="0">
+              <a:buNone/>
+            </a:pPr>
+            <a:r>
+              <a:rPr lang="zh-TW" altLang="en-US" sz="2600" b="1" dirty="0">
+                <a:latin typeface="+mj-ea"/>
+              </a:rPr>
+              <a:t>謝貿丞</a:t>
+            </a:r>
+            <a:endParaRPr lang="en-US" altLang="zh-TW" sz="2600" b="1" dirty="0">
+              <a:latin typeface="+mj-ea"/>
+            </a:endParaRPr>
+          </a:p>
+          <a:p>
+            <a:pPr marL="400050" lvl="1" indent="0">
+              <a:buNone/>
+            </a:pPr>
+            <a:r>
+              <a:rPr lang="zh-TW" altLang="en-US" sz="2600" b="1" dirty="0">
+                <a:latin typeface="+mj-ea"/>
+              </a:rPr>
+              <a:t>林琬盈</a:t>
+            </a:r>
+            <a:endParaRPr lang="en-US" altLang="zh-TW" sz="2600" b="1" dirty="0">
+              <a:latin typeface="+mj-ea"/>
+            </a:endParaRPr>
+          </a:p>
+          <a:p>
+            <a:pPr marL="400050" lvl="1" indent="0">
+              <a:buNone/>
+            </a:pPr>
+            <a:r>
+              <a:rPr lang="zh-TW" altLang="en-US" sz="2600" b="1" dirty="0">
+                <a:latin typeface="+mj-ea"/>
+              </a:rPr>
               <a:t>資料蒐集</a:t>
             </a:r>
             <a:r>
@@ -6356,6 +6591,18 @@
                 <a:latin typeface="+mj-ea"/>
               </a:rPr>
               <a:t> </a:t>
+            </a:r>
+            <a:r>
+              <a:rPr lang="zh-TW" altLang="en-US" sz="2600" b="1" dirty="0">
+                <a:latin typeface="+mj-ea"/>
+              </a:rPr>
+              <a:t>資料庫建構</a:t>
+            </a:r>
+            <a:r>
+              <a:rPr lang="en-US" altLang="zh-TW" sz="2600" b="1" dirty="0">
+                <a:latin typeface="+mj-ea"/>
+              </a:rPr>
+              <a:t>、</a:t>
             </a:r>
             <a:r>
               <a:rPr lang="zh-TW" altLang="en-US" sz="2600" b="1" dirty="0">
@@ -6440,7 +6687,7 @@
 </p:sld>
 </file>
 
-<file path=ppt/slides/slide11.xml><?xml version="1.0" encoding="utf-8"?>
+<file path=ppt/slides/slide12.xml><?xml version="1.0" encoding="utf-8"?>
 <p:sld xmlns:a="http://schemas.openxmlformats.org/drawingml/2006/main" xmlns:r="http://schemas.openxmlformats.org/officeDocument/2006/relationships" xmlns:p="http://schemas.openxmlformats.org/presentationml/2006/main">
   <p:cSld>
     <p:spTree>
@@ -8254,11 +8501,11 @@
           <a:p>
             <a:r>
               <a:rPr lang="zh-TW" altLang="en-US" b="1" dirty="0"/>
-              <a:t>  </a:t>
+              <a:t>  功能</a:t>
             </a:r>
             <a:r>
               <a:rPr lang="zh-TW" altLang="zh-TW" b="1" dirty="0"/>
-              <a:t>系統架構</a:t>
+              <a:t>架構</a:t>
             </a:r>
             <a:endParaRPr lang="zh-TW" altLang="en-US" dirty="0"/>
           </a:p>

--- a/軟工期中v3.pptx
+++ b/軟工期中v3.pptx
@@ -6341,7 +6341,7 @@
         </p:spPr>
         <p:txBody>
           <a:bodyPr>
-            <a:normAutofit fontScale="92500" lnSpcReduction="20000"/>
+            <a:normAutofit lnSpcReduction="10000"/>
           </a:bodyPr>
           <a:lstStyle/>
           <a:p>
@@ -6537,6 +6537,42 @@
               </a:rPr>
               <a:t>邱湘婷</a:t>
             </a:r>
+            <a:r>
+              <a:rPr lang="en-US" altLang="zh-TW" sz="2600" b="1" dirty="0">
+                <a:latin typeface="+mj-ea"/>
+              </a:rPr>
+              <a:t>:</a:t>
+            </a:r>
+            <a:r>
+              <a:rPr lang="zh-TW" altLang="en-US" sz="2600" b="1" dirty="0">
+                <a:latin typeface="+mj-ea"/>
+              </a:rPr>
+              <a:t> 程式撰寫</a:t>
+            </a:r>
+            <a:r>
+              <a:rPr lang="en-US" altLang="zh-TW" sz="2600" b="1" dirty="0">
+                <a:latin typeface="+mj-ea"/>
+              </a:rPr>
+              <a:t> 、</a:t>
+            </a:r>
+            <a:r>
+              <a:rPr lang="zh-TW" altLang="en-US" sz="2600" b="1" dirty="0">
+                <a:latin typeface="+mj-ea"/>
+              </a:rPr>
+              <a:t>資料維護</a:t>
+            </a:r>
+            <a:r>
+              <a:rPr lang="en-US" altLang="zh-TW" sz="2600" b="1" dirty="0">
+                <a:latin typeface="+mj-ea"/>
+              </a:rPr>
+              <a:t>、</a:t>
+            </a:r>
+            <a:r>
+              <a:rPr lang="zh-TW" altLang="en-US" sz="2600" b="1" dirty="0">
+                <a:latin typeface="+mj-ea"/>
+              </a:rPr>
+              <a:t>回應問題</a:t>
+            </a:r>
             <a:endParaRPr lang="en-US" altLang="zh-TW" sz="2600" b="1" dirty="0">
               <a:latin typeface="+mj-ea"/>
             </a:endParaRPr>
@@ -6551,6 +6587,42 @@
               </a:rPr>
               <a:t>謝貿丞</a:t>
             </a:r>
+            <a:r>
+              <a:rPr lang="en-US" altLang="zh-TW" sz="2600" b="1" dirty="0">
+                <a:latin typeface="+mj-ea"/>
+              </a:rPr>
+              <a:t>:</a:t>
+            </a:r>
+            <a:r>
+              <a:rPr lang="zh-TW" altLang="en-US" sz="2600" b="1" dirty="0">
+                <a:latin typeface="+mj-ea"/>
+              </a:rPr>
+              <a:t> 資料蒐集</a:t>
+            </a:r>
+            <a:r>
+              <a:rPr lang="en-US" altLang="zh-TW" sz="2600" b="1" dirty="0">
+                <a:latin typeface="+mj-ea"/>
+              </a:rPr>
+              <a:t>、 </a:t>
+            </a:r>
+            <a:r>
+              <a:rPr lang="zh-TW" altLang="en-US" sz="2600" b="1" dirty="0">
+                <a:latin typeface="+mj-ea"/>
+              </a:rPr>
+              <a:t>資料庫建構</a:t>
+            </a:r>
+            <a:r>
+              <a:rPr lang="en-US" altLang="zh-TW" sz="2600" b="1" dirty="0">
+                <a:latin typeface="+mj-ea"/>
+              </a:rPr>
+              <a:t>、</a:t>
+            </a:r>
+            <a:r>
+              <a:rPr lang="zh-TW" altLang="en-US" sz="2600" b="1" dirty="0">
+                <a:latin typeface="+mj-ea"/>
+              </a:rPr>
+              <a:t>回應問題</a:t>
+            </a:r>
             <a:endParaRPr lang="en-US" altLang="zh-TW" sz="2600" b="1" dirty="0">
               <a:latin typeface="+mj-ea"/>
             </a:endParaRPr>
@@ -6565,111 +6637,44 @@
               </a:rPr>
               <a:t>林琬盈</a:t>
             </a:r>
+            <a:r>
+              <a:rPr lang="en-US" altLang="zh-TW" sz="2600" b="1" dirty="0">
+                <a:latin typeface="+mj-ea"/>
+              </a:rPr>
+              <a:t>:</a:t>
+            </a:r>
+            <a:r>
+              <a:rPr lang="zh-TW" altLang="en-US" sz="2600" b="1" dirty="0">
+                <a:latin typeface="+mj-ea"/>
+              </a:rPr>
+              <a:t>地圖建構</a:t>
+            </a:r>
+            <a:r>
+              <a:rPr lang="en-US" altLang="zh-TW" sz="2600" b="1" dirty="0">
+                <a:latin typeface="+mj-ea"/>
+              </a:rPr>
+              <a:t>、UI</a:t>
+            </a:r>
+            <a:r>
+              <a:rPr lang="zh-TW" altLang="en-US" sz="2600" b="1" dirty="0">
+                <a:latin typeface="+mj-ea"/>
+              </a:rPr>
+              <a:t>設計</a:t>
+            </a:r>
+            <a:r>
+              <a:rPr lang="en-US" altLang="zh-TW" sz="2600" b="1" dirty="0">
+                <a:latin typeface="+mj-ea"/>
+              </a:rPr>
+              <a:t>、</a:t>
+            </a:r>
+            <a:r>
+              <a:rPr lang="zh-TW" altLang="en-US" sz="2600" b="1" dirty="0">
+                <a:latin typeface="+mj-ea"/>
+              </a:rPr>
+              <a:t>回應問題</a:t>
+            </a:r>
             <a:endParaRPr lang="en-US" altLang="zh-TW" sz="2600" b="1" dirty="0">
               <a:latin typeface="+mj-ea"/>
-            </a:endParaRPr>
-          </a:p>
-          <a:p>
-            <a:pPr marL="400050" lvl="1" indent="0">
-              <a:buNone/>
-            </a:pPr>
-            <a:r>
-              <a:rPr lang="zh-TW" altLang="en-US" sz="2600" b="1" dirty="0">
-                <a:latin typeface="+mj-ea"/>
-              </a:rPr>
-              <a:t>資料蒐集</a:t>
-            </a:r>
-            <a:r>
-              <a:rPr lang="en-US" altLang="zh-TW" sz="2600" b="1" dirty="0">
-                <a:latin typeface="+mj-ea"/>
-                <a:ea typeface="+mj-ea"/>
-              </a:rPr>
-              <a:t>、</a:t>
-            </a:r>
-            <a:r>
-              <a:rPr lang="en-US" altLang="zh-TW" sz="2600" b="1" dirty="0">
-                <a:latin typeface="+mj-ea"/>
-              </a:rPr>
-              <a:t> </a:t>
-            </a:r>
-            <a:r>
-              <a:rPr lang="zh-TW" altLang="en-US" sz="2600" b="1" dirty="0">
-                <a:latin typeface="+mj-ea"/>
-              </a:rPr>
-              <a:t>資料庫建構</a:t>
-            </a:r>
-            <a:r>
-              <a:rPr lang="en-US" altLang="zh-TW" sz="2600" b="1" dirty="0">
-                <a:latin typeface="+mj-ea"/>
-              </a:rPr>
-              <a:t>、</a:t>
-            </a:r>
-            <a:r>
-              <a:rPr lang="zh-TW" altLang="en-US" sz="2600" b="1" dirty="0">
-                <a:latin typeface="+mj-ea"/>
-              </a:rPr>
-              <a:t>地圖建構</a:t>
-            </a:r>
-            <a:r>
-              <a:rPr lang="en-US" altLang="zh-TW" sz="2600" b="1" dirty="0">
-                <a:latin typeface="+mj-ea"/>
-              </a:rPr>
-              <a:t>、</a:t>
-            </a:r>
-            <a:r>
-              <a:rPr lang="en-US" altLang="zh-TW" sz="2600" b="1" dirty="0">
-                <a:latin typeface="+mj-ea"/>
-                <a:ea typeface="+mj-ea"/>
-              </a:rPr>
-              <a:t>UI</a:t>
-            </a:r>
-            <a:r>
-              <a:rPr lang="zh-TW" altLang="en-US" sz="2600" b="1" dirty="0">
-                <a:latin typeface="+mj-ea"/>
-                <a:ea typeface="+mj-ea"/>
-              </a:rPr>
-              <a:t>設計</a:t>
-            </a:r>
-            <a:r>
-              <a:rPr lang="en-US" altLang="zh-TW" sz="2600" b="1" dirty="0">
-                <a:latin typeface="+mj-ea"/>
-              </a:rPr>
-              <a:t>、</a:t>
-            </a:r>
-            <a:r>
-              <a:rPr lang="zh-TW" altLang="en-US" sz="2600" b="1" dirty="0">
-                <a:latin typeface="+mj-ea"/>
-              </a:rPr>
-              <a:t>程式撰寫</a:t>
-            </a:r>
-            <a:r>
-              <a:rPr lang="en-US" altLang="zh-TW" sz="2600" b="1" dirty="0">
-                <a:latin typeface="+mj-ea"/>
-              </a:rPr>
-              <a:t> 、</a:t>
-            </a:r>
-            <a:r>
-              <a:rPr lang="zh-TW" altLang="en-US" sz="2600" b="1" dirty="0">
-                <a:latin typeface="+mj-ea"/>
-                <a:ea typeface="+mj-ea"/>
-              </a:rPr>
-              <a:t>資料維護</a:t>
-            </a:r>
-            <a:r>
-              <a:rPr lang="en-US" altLang="zh-TW" sz="2600" b="1" dirty="0">
-                <a:latin typeface="+mj-ea"/>
-              </a:rPr>
-              <a:t>、</a:t>
-            </a:r>
-            <a:r>
-              <a:rPr lang="zh-TW" altLang="en-US" sz="2600" b="1" dirty="0">
-                <a:latin typeface="+mj-ea"/>
-              </a:rPr>
-              <a:t>回應問題</a:t>
-            </a:r>
-            <a:endParaRPr lang="en-US" altLang="zh-TW" sz="2600" b="1" dirty="0">
-              <a:latin typeface="+mj-ea"/>
-              <a:ea typeface="+mj-ea"/>
             </a:endParaRPr>
           </a:p>
         </p:txBody>

--- a/軟工期中v3.pptx
+++ b/軟工期中v3.pptx
@@ -5939,125 +5939,136 @@
           <a:p>
             <a:pPr algn="l"/>
             <a:r>
-              <a:rPr lang="zh-TW" altLang="en-US" sz="2000" b="1" dirty="0">
+              <a:rPr lang="zh-TW" altLang="en-US" sz="2400" b="1" dirty="0">
                 <a:solidFill>
                   <a:schemeClr val="tx2">
                     <a:lumMod val="60000"/>
                     <a:lumOff val="40000"/>
                   </a:schemeClr>
                 </a:solidFill>
+                <a:latin typeface="+mn-ea"/>
               </a:rPr>
               <a:t>組別</a:t>
             </a:r>
             <a:r>
-              <a:rPr lang="en-US" altLang="zh-TW" sz="2000" b="1" dirty="0">
+              <a:rPr lang="en-US" altLang="zh-TW" sz="2400" b="1" dirty="0">
                 <a:solidFill>
                   <a:schemeClr val="tx2">
                     <a:lumMod val="60000"/>
                     <a:lumOff val="40000"/>
                   </a:schemeClr>
                 </a:solidFill>
+                <a:latin typeface="+mn-ea"/>
               </a:rPr>
               <a:t>:</a:t>
             </a:r>
             <a:r>
-              <a:rPr lang="zh-TW" altLang="en-US" sz="2000" b="1" dirty="0">
+              <a:rPr lang="zh-TW" altLang="en-US" sz="2400" b="1" dirty="0">
                 <a:solidFill>
                   <a:schemeClr val="tx2">
                     <a:lumMod val="60000"/>
                     <a:lumOff val="40000"/>
                   </a:schemeClr>
                 </a:solidFill>
+                <a:latin typeface="+mn-ea"/>
               </a:rPr>
               <a:t>第十組</a:t>
             </a:r>
-            <a:endParaRPr lang="en-US" altLang="zh-TW" sz="2000" b="1" dirty="0">
+            <a:endParaRPr lang="en-US" altLang="zh-TW" sz="2400" b="1" dirty="0">
               <a:solidFill>
                 <a:schemeClr val="tx2">
                   <a:lumMod val="60000"/>
                   <a:lumOff val="40000"/>
                 </a:schemeClr>
               </a:solidFill>
+              <a:latin typeface="+mn-ea"/>
             </a:endParaRPr>
           </a:p>
           <a:p>
             <a:pPr algn="l"/>
             <a:r>
-              <a:rPr lang="zh-TW" altLang="en-US" sz="2000" b="1" dirty="0">
+              <a:rPr lang="zh-TW" altLang="en-US" sz="2400" b="1" dirty="0">
                 <a:solidFill>
                   <a:schemeClr val="tx2">
                     <a:lumMod val="60000"/>
                     <a:lumOff val="40000"/>
                   </a:schemeClr>
                 </a:solidFill>
+                <a:latin typeface="+mn-ea"/>
               </a:rPr>
               <a:t>組員</a:t>
             </a:r>
             <a:r>
-              <a:rPr lang="en-US" altLang="zh-TW" sz="2000" b="1" dirty="0">
+              <a:rPr lang="en-US" altLang="zh-TW" sz="2400" b="1" dirty="0">
                 <a:solidFill>
                   <a:schemeClr val="tx2">
                     <a:lumMod val="60000"/>
                     <a:lumOff val="40000"/>
                   </a:schemeClr>
                 </a:solidFill>
+                <a:latin typeface="+mn-ea"/>
               </a:rPr>
               <a:t>:</a:t>
             </a:r>
             <a:r>
-              <a:rPr lang="zh-TW" altLang="en-US" sz="2000" b="1" dirty="0">
+              <a:rPr lang="zh-TW" altLang="en-US" sz="2400" b="1" dirty="0">
                 <a:solidFill>
                   <a:schemeClr val="tx2">
                     <a:lumMod val="60000"/>
                     <a:lumOff val="40000"/>
                   </a:schemeClr>
                 </a:solidFill>
+                <a:latin typeface="+mn-ea"/>
               </a:rPr>
               <a:t>林琬盈</a:t>
             </a:r>
-            <a:endParaRPr lang="en-US" altLang="zh-TW" sz="2000" b="1" dirty="0">
+            <a:endParaRPr lang="en-US" altLang="zh-TW" sz="2400" b="1" dirty="0">
               <a:solidFill>
                 <a:schemeClr val="tx2">
                   <a:lumMod val="60000"/>
                   <a:lumOff val="40000"/>
                 </a:schemeClr>
               </a:solidFill>
+              <a:latin typeface="+mn-ea"/>
             </a:endParaRPr>
           </a:p>
           <a:p>
             <a:pPr algn="l"/>
             <a:r>
-              <a:rPr lang="zh-TW" altLang="en-US" sz="2000" b="1" dirty="0">
+              <a:rPr lang="zh-TW" altLang="en-US" sz="2400" b="1" dirty="0">
                 <a:solidFill>
                   <a:schemeClr val="tx2">
                     <a:lumMod val="60000"/>
                     <a:lumOff val="40000"/>
                   </a:schemeClr>
                 </a:solidFill>
-              </a:rPr>
-              <a:t>        邱湘婷</a:t>
-            </a:r>
-            <a:endParaRPr lang="en-US" altLang="zh-TW" sz="2000" b="1" dirty="0">
+                <a:latin typeface="+mn-ea"/>
+              </a:rPr>
+              <a:t>         邱湘婷</a:t>
+            </a:r>
+            <a:endParaRPr lang="en-US" altLang="zh-TW" sz="2400" b="1" dirty="0">
               <a:solidFill>
                 <a:schemeClr val="tx2">
                   <a:lumMod val="60000"/>
                   <a:lumOff val="40000"/>
                 </a:schemeClr>
               </a:solidFill>
+              <a:latin typeface="+mn-ea"/>
             </a:endParaRPr>
           </a:p>
           <a:p>
             <a:pPr algn="l"/>
             <a:r>
-              <a:rPr lang="zh-TW" altLang="en-US" sz="2000" b="1" dirty="0">
+              <a:rPr lang="zh-TW" altLang="en-US" sz="2400" b="1" dirty="0">
                 <a:solidFill>
                   <a:schemeClr val="tx2">
                     <a:lumMod val="60000"/>
                     <a:lumOff val="40000"/>
                   </a:schemeClr>
                 </a:solidFill>
-              </a:rPr>
-              <a:t>        謝貿丞</a:t>
+                <a:latin typeface="+mn-ea"/>
+              </a:rPr>
+              <a:t>         謝貿丞</a:t>
             </a:r>
           </a:p>
         </p:txBody>
@@ -6210,7 +6221,7 @@
                             </p:stCondLst>
                             <p:childTnLst>
                               <p:par>
-                                <p:cTn id="5" presetID="1" presetClass="entr" presetSubtype="0" fill="hold" nodeType="clickEffect">
+                                <p:cTn id="5" presetID="10" presetClass="entr" presetSubtype="0" fill="hold" nodeType="clickEffect">
                                   <p:stCondLst>
                                     <p:cond delay="0"/>
                                   </p:stCondLst>
@@ -6233,6 +6244,14 @@
                                         <p:strVal val="visible"/>
                                       </p:to>
                                     </p:set>
+                                    <p:animEffect transition="in" filter="fade">
+                                      <p:cBhvr>
+                                        <p:cTn id="7" dur="500"/>
+                                        <p:tgtEl>
+                                          <p:spTgt spid="7"/>
+                                        </p:tgtEl>
+                                      </p:cBhvr>
+                                    </p:animEffect>
                                   </p:childTnLst>
                                 </p:cTn>
                               </p:par>
@@ -6903,23 +6922,58 @@
             </a:endParaRPr>
           </a:p>
           <a:p>
-            <a:r>
-              <a:rPr lang="zh-TW" altLang="en-US" sz="2400" b="1" dirty="0">
-                <a:latin typeface="+mn-ea"/>
-              </a:rPr>
-              <a:t>從每天最常接觸的 學校開始尋找</a:t>
-            </a:r>
             <a:endParaRPr lang="en-US" altLang="zh-TW" sz="2400" b="1" dirty="0">
               <a:latin typeface="+mn-ea"/>
             </a:endParaRPr>
           </a:p>
           <a:p>
+            <a:r>
+              <a:rPr lang="zh-TW" altLang="en-US" sz="2400" b="1" dirty="0">
+                <a:latin typeface="+mn-ea"/>
+              </a:rPr>
+              <a:t>從每天最常接觸的 學校開始尋找</a:t>
+            </a:r>
+            <a:endParaRPr lang="en-US" altLang="zh-TW" sz="2400" b="1" dirty="0">
+              <a:latin typeface="+mn-ea"/>
+            </a:endParaRPr>
+          </a:p>
+          <a:p>
             <a:endParaRPr lang="en-US" altLang="zh-TW" b="1" dirty="0">
               <a:latin typeface="+mn-ea"/>
             </a:endParaRPr>
           </a:p>
         </p:txBody>
       </p:sp>
+      <p:pic>
+        <p:nvPicPr>
+          <p:cNvPr id="5" name="圖片 4">
+            <a:extLst>
+              <a:ext uri="{FF2B5EF4-FFF2-40B4-BE49-F238E27FC236}">
+                <a16:creationId xmlns:a16="http://schemas.microsoft.com/office/drawing/2014/main" id="{B63E811E-22DB-4332-9389-8FDC79AAF41F}"/>
+              </a:ext>
+            </a:extLst>
+          </p:cNvPr>
+          <p:cNvPicPr>
+            <a:picLocks noChangeAspect="1"/>
+          </p:cNvPicPr>
+          <p:nvPr/>
+        </p:nvPicPr>
+        <p:blipFill>
+          <a:blip r:embed="rId2"/>
+          <a:stretch>
+            <a:fillRect/>
+          </a:stretch>
+        </p:blipFill>
+        <p:spPr>
+          <a:xfrm>
+            <a:off x="3529012" y="3729700"/>
+            <a:ext cx="5133975" cy="2885412"/>
+          </a:xfrm>
+          <a:prstGeom prst="rect">
+            <a:avLst/>
+          </a:prstGeom>
+        </p:spPr>
+      </p:pic>
     </p:spTree>
     <p:extLst>
       <p:ext uri="{BB962C8B-B14F-4D97-AF65-F5344CB8AC3E}">
@@ -6930,6 +6984,135 @@
   <p:clrMapOvr>
     <a:masterClrMapping/>
   </p:clrMapOvr>
+  <p:timing>
+    <p:tnLst>
+      <p:par>
+        <p:cTn id="1" dur="indefinite" restart="never" nodeType="tmRoot">
+          <p:childTnLst>
+            <p:seq concurrent="1" nextAc="seek">
+              <p:cTn id="2" dur="indefinite" nodeType="mainSeq">
+                <p:childTnLst>
+                  <p:par>
+                    <p:cTn id="3" fill="hold">
+                      <p:stCondLst>
+                        <p:cond delay="indefinite"/>
+                      </p:stCondLst>
+                      <p:childTnLst>
+                        <p:par>
+                          <p:cTn id="4" fill="hold">
+                            <p:stCondLst>
+                              <p:cond delay="0"/>
+                            </p:stCondLst>
+                            <p:childTnLst>
+                              <p:par>
+                                <p:cTn id="5" presetID="42" presetClass="entr" presetSubtype="0" fill="hold" nodeType="clickEffect">
+                                  <p:stCondLst>
+                                    <p:cond delay="0"/>
+                                  </p:stCondLst>
+                                  <p:childTnLst>
+                                    <p:set>
+                                      <p:cBhvr>
+                                        <p:cTn id="6" dur="1" fill="hold">
+                                          <p:stCondLst>
+                                            <p:cond delay="0"/>
+                                          </p:stCondLst>
+                                        </p:cTn>
+                                        <p:tgtEl>
+                                          <p:spTgt spid="5"/>
+                                        </p:tgtEl>
+                                        <p:attrNameLst>
+                                          <p:attrName>style.visibility</p:attrName>
+                                        </p:attrNameLst>
+                                      </p:cBhvr>
+                                      <p:to>
+                                        <p:strVal val="visible"/>
+                                      </p:to>
+                                    </p:set>
+                                    <p:animEffect transition="in" filter="fade">
+                                      <p:cBhvr>
+                                        <p:cTn id="7" dur="1000"/>
+                                        <p:tgtEl>
+                                          <p:spTgt spid="5"/>
+                                        </p:tgtEl>
+                                      </p:cBhvr>
+                                    </p:animEffect>
+                                    <p:anim calcmode="lin" valueType="num">
+                                      <p:cBhvr>
+                                        <p:cTn id="8" dur="1000" fill="hold"/>
+                                        <p:tgtEl>
+                                          <p:spTgt spid="5"/>
+                                        </p:tgtEl>
+                                        <p:attrNameLst>
+                                          <p:attrName>ppt_x</p:attrName>
+                                        </p:attrNameLst>
+                                      </p:cBhvr>
+                                      <p:tavLst>
+                                        <p:tav tm="0">
+                                          <p:val>
+                                            <p:strVal val="#ppt_x"/>
+                                          </p:val>
+                                        </p:tav>
+                                        <p:tav tm="100000">
+                                          <p:val>
+                                            <p:strVal val="#ppt_x"/>
+                                          </p:val>
+                                        </p:tav>
+                                      </p:tavLst>
+                                    </p:anim>
+                                    <p:anim calcmode="lin" valueType="num">
+                                      <p:cBhvr>
+                                        <p:cTn id="9" dur="1000" fill="hold"/>
+                                        <p:tgtEl>
+                                          <p:spTgt spid="5"/>
+                                        </p:tgtEl>
+                                        <p:attrNameLst>
+                                          <p:attrName>ppt_y</p:attrName>
+                                        </p:attrNameLst>
+                                      </p:cBhvr>
+                                      <p:tavLst>
+                                        <p:tav tm="0">
+                                          <p:val>
+                                            <p:strVal val="#ppt_y+.1"/>
+                                          </p:val>
+                                        </p:tav>
+                                        <p:tav tm="100000">
+                                          <p:val>
+                                            <p:strVal val="#ppt_y"/>
+                                          </p:val>
+                                        </p:tav>
+                                      </p:tavLst>
+                                    </p:anim>
+                                  </p:childTnLst>
+                                </p:cTn>
+                              </p:par>
+                            </p:childTnLst>
+                          </p:cTn>
+                        </p:par>
+                      </p:childTnLst>
+                    </p:cTn>
+                  </p:par>
+                </p:childTnLst>
+              </p:cTn>
+              <p:prevCondLst>
+                <p:cond evt="onPrev" delay="0">
+                  <p:tgtEl>
+                    <p:sldTgt/>
+                  </p:tgtEl>
+                </p:cond>
+              </p:prevCondLst>
+              <p:nextCondLst>
+                <p:cond evt="onNext" delay="0">
+                  <p:tgtEl>
+                    <p:sldTgt/>
+                  </p:tgtEl>
+                </p:cond>
+              </p:nextCondLst>
+            </p:seq>
+          </p:childTnLst>
+        </p:cTn>
+      </p:par>
+    </p:tnLst>
+  </p:timing>
 </p:sld>
 </file>
 
@@ -7024,6 +7207,9 @@
               <a:rPr lang="zh-TW" altLang="zh-TW" sz="2400" dirty="0"/>
               <a:t>校園廣大，剛入學的新生需要花很多時間找教室</a:t>
             </a:r>
+            <a:endParaRPr lang="en-US" altLang="zh-TW" sz="2400" dirty="0"/>
+          </a:p>
+          <a:p>
             <a:endParaRPr lang="en-US" altLang="zh-TW" sz="2400" dirty="0"/>
           </a:p>
           <a:p>
@@ -7097,15 +7283,21 @@
             <p:ph type="title"/>
           </p:nvPr>
         </p:nvSpPr>
-        <p:spPr/>
+        <p:spPr>
+          <a:xfrm>
+            <a:off x="677334" y="609600"/>
+            <a:ext cx="8596668" cy="1320800"/>
+          </a:xfrm>
+        </p:spPr>
         <p:txBody>
           <a:bodyPr/>
           <a:lstStyle/>
           <a:p>
             <a:r>
-              <a:rPr lang="zh-TW" altLang="en-US" dirty="0"/>
+              <a:rPr lang="zh-TW" altLang="en-US"/>
               <a:t>目的</a:t>
             </a:r>
+            <a:endParaRPr lang="zh-TW" altLang="en-US" dirty="0"/>
           </a:p>
         </p:txBody>
       </p:sp>
@@ -7125,102 +7317,107 @@
             <p:ph idx="1"/>
           </p:nvPr>
         </p:nvSpPr>
-        <p:spPr/>
+        <p:spPr>
+          <a:xfrm>
+            <a:off x="677334" y="2160589"/>
+            <a:ext cx="8596668" cy="3880773"/>
+          </a:xfrm>
+        </p:spPr>
         <p:txBody>
           <a:bodyPr/>
           <a:lstStyle/>
           <a:p>
             <a:r>
-              <a:rPr lang="zh-TW" altLang="en-US" sz="2400" dirty="0">
+              <a:rPr lang="zh-TW" altLang="en-US" sz="2400">
                 <a:latin typeface="+mn-ea"/>
               </a:rPr>
               <a:t>為了</a:t>
             </a:r>
             <a:r>
-              <a:rPr lang="zh-TW" altLang="zh-TW" sz="2400" dirty="0">
+              <a:rPr lang="zh-TW" altLang="zh-TW" sz="2400">
                 <a:latin typeface="+mn-ea"/>
               </a:rPr>
               <a:t>讓對校園不熟悉的人</a:t>
             </a:r>
             <a:r>
-              <a:rPr lang="en-US" altLang="zh-TW" sz="2400" dirty="0">
+              <a:rPr lang="en-US" altLang="zh-TW" sz="2400">
                 <a:latin typeface="+mn-ea"/>
               </a:rPr>
               <a:t>(</a:t>
             </a:r>
             <a:r>
-              <a:rPr lang="zh-TW" altLang="en-US" sz="2400" dirty="0">
+              <a:rPr lang="zh-TW" altLang="en-US" sz="2400">
                 <a:latin typeface="+mn-ea"/>
               </a:rPr>
               <a:t>如</a:t>
             </a:r>
             <a:r>
-              <a:rPr lang="en-US" altLang="zh-TW" sz="2400" dirty="0">
+              <a:rPr lang="en-US" altLang="zh-TW" sz="2400">
                 <a:latin typeface="+mn-ea"/>
               </a:rPr>
               <a:t>:</a:t>
             </a:r>
             <a:r>
-              <a:rPr lang="zh-TW" altLang="en-US" sz="2400" dirty="0">
+              <a:rPr lang="zh-TW" altLang="en-US" sz="2400">
                 <a:latin typeface="+mn-ea"/>
               </a:rPr>
               <a:t>考生、校外人士</a:t>
             </a:r>
             <a:r>
-              <a:rPr lang="en-US" altLang="zh-TW" sz="2400" dirty="0">
+              <a:rPr lang="en-US" altLang="zh-TW" sz="2400">
                 <a:latin typeface="+mn-ea"/>
               </a:rPr>
               <a:t>...</a:t>
             </a:r>
             <a:r>
-              <a:rPr lang="zh-TW" altLang="en-US" sz="2400" dirty="0">
+              <a:rPr lang="zh-TW" altLang="en-US" sz="2400">
                 <a:latin typeface="+mn-ea"/>
               </a:rPr>
               <a:t>等</a:t>
             </a:r>
             <a:r>
-              <a:rPr lang="en-US" altLang="zh-TW" sz="2400" dirty="0">
+              <a:rPr lang="en-US" altLang="zh-TW" sz="2400">
                 <a:latin typeface="+mn-ea"/>
               </a:rPr>
               <a:t>)</a:t>
             </a:r>
             <a:r>
-              <a:rPr lang="zh-TW" altLang="zh-TW" sz="2400" dirty="0">
+              <a:rPr lang="zh-TW" altLang="zh-TW" sz="2400">
                 <a:latin typeface="+mn-ea"/>
               </a:rPr>
               <a:t>，能立即到達目的地，</a:t>
             </a:r>
             <a:r>
-              <a:rPr lang="zh-TW" altLang="en-US" sz="2400" dirty="0">
+              <a:rPr lang="zh-TW" altLang="en-US" sz="2400">
                 <a:latin typeface="+mn-ea"/>
               </a:rPr>
               <a:t>所以我們想做一個校園導航的</a:t>
             </a:r>
             <a:r>
-              <a:rPr lang="en-US" altLang="zh-TW" sz="2400" dirty="0">
+              <a:rPr lang="en-US" altLang="zh-TW" sz="2400">
                 <a:latin typeface="+mn-ea"/>
               </a:rPr>
               <a:t>app</a:t>
             </a:r>
             <a:r>
-              <a:rPr lang="zh-TW" altLang="zh-TW" sz="2400" dirty="0">
+              <a:rPr lang="zh-TW" altLang="zh-TW" sz="2400">
                 <a:latin typeface="+mn-ea"/>
               </a:rPr>
               <a:t>，</a:t>
             </a:r>
             <a:r>
-              <a:rPr lang="zh-TW" altLang="en-US" sz="2400" dirty="0">
+              <a:rPr lang="zh-TW" altLang="en-US" sz="2400">
                 <a:latin typeface="+mn-ea"/>
               </a:rPr>
               <a:t>來處理這個問題</a:t>
             </a:r>
             <a:r>
-              <a:rPr lang="zh-TW" altLang="zh-TW" sz="2400" dirty="0">
+              <a:rPr lang="zh-TW" altLang="zh-TW" sz="2400">
                 <a:latin typeface="+mn-ea"/>
               </a:rPr>
               <a:t>。</a:t>
             </a:r>
-            <a:endParaRPr lang="en-US" altLang="zh-TW" sz="2400" dirty="0">
+            <a:endParaRPr lang="en-US" altLang="zh-TW" sz="2400">
               <a:latin typeface="+mn-ea"/>
             </a:endParaRPr>
           </a:p>
@@ -7232,6 +7429,36 @@
           </a:p>
         </p:txBody>
       </p:sp>
+      <p:pic>
+        <p:nvPicPr>
+          <p:cNvPr id="5" name="圖片 4">
+            <a:extLst>
+              <a:ext uri="{FF2B5EF4-FFF2-40B4-BE49-F238E27FC236}">
+                <a16:creationId xmlns:a16="http://schemas.microsoft.com/office/drawing/2014/main" id="{F5D31FC3-BE80-49D0-982B-B868518D12A4}"/>
+              </a:ext>
+            </a:extLst>
+          </p:cNvPr>
+          <p:cNvPicPr>
+            <a:picLocks noChangeAspect="1"/>
+          </p:cNvPicPr>
+          <p:nvPr/>
+        </p:nvPicPr>
+        <p:blipFill>
+          <a:blip r:embed="rId2"/>
+          <a:stretch>
+            <a:fillRect/>
+          </a:stretch>
+        </p:blipFill>
+        <p:spPr>
+          <a:xfrm>
+            <a:off x="3196204" y="3681259"/>
+            <a:ext cx="2360103" cy="2360103"/>
+          </a:xfrm>
+          <a:prstGeom prst="rect">
+            <a:avLst/>
+          </a:prstGeom>
+        </p:spPr>
+      </p:pic>
     </p:spTree>
     <p:extLst>
       <p:ext uri="{BB962C8B-B14F-4D97-AF65-F5344CB8AC3E}">
@@ -7242,6 +7469,89 @@
   <p:clrMapOvr>
     <a:masterClrMapping/>
   </p:clrMapOvr>
+  <p:timing>
+    <p:tnLst>
+      <p:par>
+        <p:cTn id="1" dur="indefinite" restart="never" nodeType="tmRoot">
+          <p:childTnLst>
+            <p:seq concurrent="1" nextAc="seek">
+              <p:cTn id="2" dur="indefinite" nodeType="mainSeq">
+                <p:childTnLst>
+                  <p:par>
+                    <p:cTn id="3" fill="hold">
+                      <p:stCondLst>
+                        <p:cond delay="indefinite"/>
+                      </p:stCondLst>
+                      <p:childTnLst>
+                        <p:par>
+                          <p:cTn id="4" fill="hold">
+                            <p:stCondLst>
+                              <p:cond delay="0"/>
+                            </p:stCondLst>
+                            <p:childTnLst>
+                              <p:par>
+                                <p:cTn id="5" presetID="10" presetClass="entr" presetSubtype="0" fill="hold" nodeType="clickEffect">
+                                  <p:stCondLst>
+                                    <p:cond delay="0"/>
+                                  </p:stCondLst>
+                                  <p:childTnLst>
+                                    <p:set>
+                                      <p:cBhvr>
+                                        <p:cTn id="6" dur="1" fill="hold">
+                                          <p:stCondLst>
+                                            <p:cond delay="0"/>
+                                          </p:stCondLst>
+                                        </p:cTn>
+                                        <p:tgtEl>
+                                          <p:spTgt spid="5"/>
+                                        </p:tgtEl>
+                                        <p:attrNameLst>
+                                          <p:attrName>style.visibility</p:attrName>
+                                        </p:attrNameLst>
+                                      </p:cBhvr>
+                                      <p:to>
+                                        <p:strVal val="visible"/>
+                                      </p:to>
+                                    </p:set>
+                                    <p:animEffect transition="in" filter="fade">
+                                      <p:cBhvr>
+                                        <p:cTn id="7" dur="500"/>
+                                        <p:tgtEl>
+                                          <p:spTgt spid="5"/>
+                                        </p:tgtEl>
+                                      </p:cBhvr>
+                                    </p:animEffect>
+                                  </p:childTnLst>
+                                </p:cTn>
+                              </p:par>
+                            </p:childTnLst>
+                          </p:cTn>
+                        </p:par>
+                      </p:childTnLst>
+                    </p:cTn>
+                  </p:par>
+                </p:childTnLst>
+              </p:cTn>
+              <p:prevCondLst>
+                <p:cond evt="onPrev" delay="0">
+                  <p:tgtEl>
+                    <p:sldTgt/>
+                  </p:tgtEl>
+                </p:cond>
+              </p:prevCondLst>
+              <p:nextCondLst>
+                <p:cond evt="onNext" delay="0">
+                  <p:tgtEl>
+                    <p:sldTgt/>
+                  </p:tgtEl>
+                </p:cond>
+              </p:nextCondLst>
+            </p:seq>
+          </p:childTnLst>
+        </p:cTn>
+      </p:par>
+    </p:tnLst>
+  </p:timing>
 </p:sld>
 </file>
 

--- a/軟工期中v3.pptx
+++ b/軟工期中v3.pptx
@@ -6922,11 +6922,6 @@
             </a:endParaRPr>
           </a:p>
           <a:p>
-            <a:endParaRPr lang="en-US" altLang="zh-TW" sz="2400" b="1" dirty="0">
-              <a:latin typeface="+mn-ea"/>
-            </a:endParaRPr>
-          </a:p>
-          <a:p>
             <a:r>
               <a:rPr lang="zh-TW" altLang="en-US" sz="2400" b="1" dirty="0">
                 <a:latin typeface="+mn-ea"/>
@@ -6966,7 +6961,7 @@
         </p:blipFill>
         <p:spPr>
           <a:xfrm>
-            <a:off x="3529012" y="3729700"/>
+            <a:off x="3529012" y="3339083"/>
             <a:ext cx="5133975" cy="2885412"/>
           </a:xfrm>
           <a:prstGeom prst="rect">
